--- a/Documentation/Year-End-Project-Presentation.pptx
+++ b/Documentation/Year-End-Project-Presentation.pptx
@@ -7,6 +7,10 @@
   <p:sldIdLst>
     <p:sldId id="256" r:id="rId2"/>
     <p:sldId id="257" r:id="rId3"/>
+    <p:sldId id="258" r:id="rId4"/>
+    <p:sldId id="259" r:id="rId5"/>
+    <p:sldId id="260" r:id="rId6"/>
+    <p:sldId id="261" r:id="rId7"/>
   </p:sldIdLst>
   <p:sldSz cx="12192000" cy="6858000"/>
   <p:notesSz cx="6858000" cy="9144000"/>
@@ -105,6 +109,11 @@
       </a:defRPr>
     </a:lvl9pPr>
   </p:defaultTextStyle>
+  <p:extLst>
+    <p:ext uri="{EFAFB233-063F-42B5-8137-9DF3F51BA10A}">
+      <p15:sldGuideLst xmlns:p15="http://schemas.microsoft.com/office/powerpoint/2012/main"/>
+    </p:ext>
+  </p:extLst>
 </p:presentation>
 </file>
 
@@ -305,7 +314,7 @@
           <a:p>
             <a:fld id="{6A5C67DF-8178-401D-886F-9E4BDF0F0BBA}" type="datetimeFigureOut">
               <a:rPr lang="en-US" smtClean="0"/>
-              <a:t>5/7/2024</a:t>
+              <a:t>6/3/25</a:t>
             </a:fld>
             <a:endParaRPr lang="en-US"/>
           </a:p>
@@ -533,7 +542,7 @@
           <a:p>
             <a:fld id="{6A5C67DF-8178-401D-886F-9E4BDF0F0BBA}" type="datetimeFigureOut">
               <a:rPr lang="en-US" smtClean="0"/>
-              <a:t>5/7/2024</a:t>
+              <a:t>6/3/25</a:t>
             </a:fld>
             <a:endParaRPr lang="en-US"/>
           </a:p>
@@ -713,7 +722,7 @@
           <a:p>
             <a:fld id="{6A5C67DF-8178-401D-886F-9E4BDF0F0BBA}" type="datetimeFigureOut">
               <a:rPr lang="en-US" smtClean="0"/>
-              <a:t>5/7/2024</a:t>
+              <a:t>6/3/25</a:t>
             </a:fld>
             <a:endParaRPr lang="en-US"/>
           </a:p>
@@ -883,7 +892,7 @@
           <a:p>
             <a:fld id="{6A5C67DF-8178-401D-886F-9E4BDF0F0BBA}" type="datetimeFigureOut">
               <a:rPr lang="en-US" smtClean="0"/>
-              <a:t>5/7/2024</a:t>
+              <a:t>6/3/25</a:t>
             </a:fld>
             <a:endParaRPr lang="en-US"/>
           </a:p>
@@ -1137,7 +1146,7 @@
           <a:p>
             <a:fld id="{6A5C67DF-8178-401D-886F-9E4BDF0F0BBA}" type="datetimeFigureOut">
               <a:rPr lang="en-US" smtClean="0"/>
-              <a:t>5/7/2024</a:t>
+              <a:t>6/3/25</a:t>
             </a:fld>
             <a:endParaRPr lang="en-US"/>
           </a:p>
@@ -1463,7 +1472,7 @@
           <a:p>
             <a:fld id="{6A5C67DF-8178-401D-886F-9E4BDF0F0BBA}" type="datetimeFigureOut">
               <a:rPr lang="en-US" smtClean="0"/>
-              <a:t>5/7/2024</a:t>
+              <a:t>6/3/25</a:t>
             </a:fld>
             <a:endParaRPr lang="en-US"/>
           </a:p>
@@ -1914,7 +1923,7 @@
           <a:p>
             <a:fld id="{6A5C67DF-8178-401D-886F-9E4BDF0F0BBA}" type="datetimeFigureOut">
               <a:rPr lang="en-US" smtClean="0"/>
-              <a:t>5/7/2024</a:t>
+              <a:t>6/3/25</a:t>
             </a:fld>
             <a:endParaRPr lang="en-US"/>
           </a:p>
@@ -2032,7 +2041,7 @@
           <a:p>
             <a:fld id="{6A5C67DF-8178-401D-886F-9E4BDF0F0BBA}" type="datetimeFigureOut">
               <a:rPr lang="en-US" smtClean="0"/>
-              <a:t>5/7/2024</a:t>
+              <a:t>6/3/25</a:t>
             </a:fld>
             <a:endParaRPr lang="en-US"/>
           </a:p>
@@ -2127,7 +2136,7 @@
           <a:p>
             <a:fld id="{6A5C67DF-8178-401D-886F-9E4BDF0F0BBA}" type="datetimeFigureOut">
               <a:rPr lang="en-US" smtClean="0"/>
-              <a:t>5/7/2024</a:t>
+              <a:t>6/3/25</a:t>
             </a:fld>
             <a:endParaRPr lang="en-US"/>
           </a:p>
@@ -2414,7 +2423,7 @@
           <a:p>
             <a:fld id="{6A5C67DF-8178-401D-886F-9E4BDF0F0BBA}" type="datetimeFigureOut">
               <a:rPr lang="en-US" smtClean="0"/>
-              <a:t>5/7/2024</a:t>
+              <a:t>6/3/25</a:t>
             </a:fld>
             <a:endParaRPr lang="en-US"/>
           </a:p>
@@ -2736,7 +2745,7 @@
           <a:p>
             <a:fld id="{6A5C67DF-8178-401D-886F-9E4BDF0F0BBA}" type="datetimeFigureOut">
               <a:rPr lang="en-US" smtClean="0"/>
-              <a:t>5/7/2024</a:t>
+              <a:t>6/3/25</a:t>
             </a:fld>
             <a:endParaRPr lang="en-US"/>
           </a:p>
@@ -2990,7 +2999,7 @@
           <a:p>
             <a:fld id="{6A5C67DF-8178-401D-886F-9E4BDF0F0BBA}" type="datetimeFigureOut">
               <a:rPr lang="en-US" smtClean="0"/>
-              <a:t>5/7/2024</a:t>
+              <a:t>6/3/25</a:t>
             </a:fld>
             <a:endParaRPr lang="en-US"/>
           </a:p>
@@ -3547,13 +3556,13 @@
           <a:p>
             <a:r>
               <a:rPr lang="en-US" dirty="0"/>
-              <a:t>Project Name:</a:t>
+              <a:t>Project Name: Snake Game</a:t>
             </a:r>
           </a:p>
           <a:p>
             <a:r>
               <a:rPr lang="en-US" dirty="0"/>
-              <a:t>Student Names:</a:t>
+              <a:t>Student Names: Zachary Yuan and Jonathan Li</a:t>
             </a:r>
           </a:p>
         </p:txBody>
@@ -3669,6 +3678,525 @@
     <p:extLst>
       <p:ext uri="{BB962C8B-B14F-4D97-AF65-F5344CB8AC3E}">
         <p14:creationId xmlns:p14="http://schemas.microsoft.com/office/powerpoint/2010/main" val="544716673"/>
+      </p:ext>
+    </p:extLst>
+  </p:cSld>
+  <p:clrMapOvr>
+    <a:masterClrMapping/>
+  </p:clrMapOvr>
+</p:sld>
+</file>
+
+<file path=ppt/slides/slide3.xml><?xml version="1.0" encoding="utf-8"?>
+<p:sld xmlns:a="http://schemas.openxmlformats.org/drawingml/2006/main" xmlns:r="http://schemas.openxmlformats.org/officeDocument/2006/relationships" xmlns:p="http://schemas.openxmlformats.org/presentationml/2006/main">
+  <p:cSld>
+    <p:spTree>
+      <p:nvGrpSpPr>
+        <p:cNvPr id="1" name=""/>
+        <p:cNvGrpSpPr/>
+        <p:nvPr/>
+      </p:nvGrpSpPr>
+      <p:grpSpPr>
+        <a:xfrm>
+          <a:off x="0" y="0"/>
+          <a:ext cx="0" cy="0"/>
+          <a:chOff x="0" y="0"/>
+          <a:chExt cx="0" cy="0"/>
+        </a:xfrm>
+      </p:grpSpPr>
+      <p:sp>
+        <p:nvSpPr>
+          <p:cNvPr id="2" name="Title 1">
+            <a:extLst>
+              <a:ext uri="{FF2B5EF4-FFF2-40B4-BE49-F238E27FC236}">
+                <a16:creationId xmlns:a16="http://schemas.microsoft.com/office/drawing/2014/main" id="{6BEDC3E6-6738-DA5C-6DF4-71EF945ABEF4}"/>
+              </a:ext>
+            </a:extLst>
+          </p:cNvPr>
+          <p:cNvSpPr>
+            <a:spLocks noGrp="1"/>
+          </p:cNvSpPr>
+          <p:nvPr>
+            <p:ph type="title"/>
+          </p:nvPr>
+        </p:nvSpPr>
+        <p:spPr/>
+        <p:txBody>
+          <a:bodyPr/>
+          <a:lstStyle/>
+          <a:p>
+            <a:r>
+              <a:rPr lang="en-US" dirty="0"/>
+              <a:t>Problem</a:t>
+            </a:r>
+          </a:p>
+        </p:txBody>
+      </p:sp>
+      <p:sp>
+        <p:nvSpPr>
+          <p:cNvPr id="3" name="Content Placeholder 2">
+            <a:extLst>
+              <a:ext uri="{FF2B5EF4-FFF2-40B4-BE49-F238E27FC236}">
+                <a16:creationId xmlns:a16="http://schemas.microsoft.com/office/drawing/2014/main" id="{C2796BB8-B0F4-3B38-CF19-594C6E089E62}"/>
+              </a:ext>
+            </a:extLst>
+          </p:cNvPr>
+          <p:cNvSpPr>
+            <a:spLocks noGrp="1"/>
+          </p:cNvSpPr>
+          <p:nvPr>
+            <p:ph idx="1"/>
+          </p:nvPr>
+        </p:nvSpPr>
+        <p:spPr/>
+        <p:txBody>
+          <a:bodyPr>
+            <a:normAutofit/>
+          </a:bodyPr>
+          <a:lstStyle/>
+          <a:p>
+            <a:r>
+              <a:rPr lang="en-US" dirty="0"/>
+              <a:t>Our problem was that we wanted to create a snake game that would run easily on our computers</a:t>
+            </a:r>
+          </a:p>
+          <a:p>
+            <a:r>
+              <a:rPr lang="en-US" dirty="0"/>
+              <a:t>We decided to code the snake game in typescript through </a:t>
+            </a:r>
+            <a:r>
+              <a:rPr lang="en-US" dirty="0" err="1"/>
+              <a:t>nextjs</a:t>
+            </a:r>
+            <a:r>
+              <a:rPr lang="en-US" dirty="0"/>
+              <a:t> so that it would be easy to run and work efficiently</a:t>
+            </a:r>
+          </a:p>
+          <a:p>
+            <a:r>
+              <a:rPr lang="en-US" dirty="0"/>
+              <a:t>The project was coded using </a:t>
+            </a:r>
+            <a:r>
+              <a:rPr lang="en-US" dirty="0" err="1"/>
+              <a:t>vscode</a:t>
+            </a:r>
+            <a:r>
+              <a:rPr lang="en-US" dirty="0"/>
+              <a:t> IDE and along with that git and GitHub was used to track changes so that we could stay organized</a:t>
+            </a:r>
+          </a:p>
+          <a:p>
+            <a:endParaRPr lang="en-US" dirty="0"/>
+          </a:p>
+        </p:txBody>
+      </p:sp>
+    </p:spTree>
+    <p:extLst>
+      <p:ext uri="{BB962C8B-B14F-4D97-AF65-F5344CB8AC3E}">
+        <p14:creationId xmlns:p14="http://schemas.microsoft.com/office/powerpoint/2010/main" val="2279369848"/>
+      </p:ext>
+    </p:extLst>
+  </p:cSld>
+  <p:clrMapOvr>
+    <a:masterClrMapping/>
+  </p:clrMapOvr>
+</p:sld>
+</file>
+
+<file path=ppt/slides/slide4.xml><?xml version="1.0" encoding="utf-8"?>
+<p:sld xmlns:a="http://schemas.openxmlformats.org/drawingml/2006/main" xmlns:r="http://schemas.openxmlformats.org/officeDocument/2006/relationships" xmlns:p="http://schemas.openxmlformats.org/presentationml/2006/main">
+  <p:cSld>
+    <p:spTree>
+      <p:nvGrpSpPr>
+        <p:cNvPr id="1" name=""/>
+        <p:cNvGrpSpPr/>
+        <p:nvPr/>
+      </p:nvGrpSpPr>
+      <p:grpSpPr>
+        <a:xfrm>
+          <a:off x="0" y="0"/>
+          <a:ext cx="0" cy="0"/>
+          <a:chOff x="0" y="0"/>
+          <a:chExt cx="0" cy="0"/>
+        </a:xfrm>
+      </p:grpSpPr>
+      <p:sp>
+        <p:nvSpPr>
+          <p:cNvPr id="2" name="Title 1">
+            <a:extLst>
+              <a:ext uri="{FF2B5EF4-FFF2-40B4-BE49-F238E27FC236}">
+                <a16:creationId xmlns:a16="http://schemas.microsoft.com/office/drawing/2014/main" id="{D0CEC4B4-BC14-574F-E2C5-DFC02B55BD7E}"/>
+              </a:ext>
+            </a:extLst>
+          </p:cNvPr>
+          <p:cNvSpPr>
+            <a:spLocks noGrp="1"/>
+          </p:cNvSpPr>
+          <p:nvPr>
+            <p:ph type="title"/>
+          </p:nvPr>
+        </p:nvSpPr>
+        <p:spPr/>
+        <p:txBody>
+          <a:bodyPr/>
+          <a:lstStyle/>
+          <a:p>
+            <a:r>
+              <a:rPr lang="en-US" dirty="0"/>
+              <a:t>Success Criteria</a:t>
+            </a:r>
+          </a:p>
+        </p:txBody>
+      </p:sp>
+      <p:sp>
+        <p:nvSpPr>
+          <p:cNvPr id="3" name="Content Placeholder 2">
+            <a:extLst>
+              <a:ext uri="{FF2B5EF4-FFF2-40B4-BE49-F238E27FC236}">
+                <a16:creationId xmlns:a16="http://schemas.microsoft.com/office/drawing/2014/main" id="{74A95B49-A59D-3783-A54C-A034415CD6B0}"/>
+              </a:ext>
+            </a:extLst>
+          </p:cNvPr>
+          <p:cNvSpPr>
+            <a:spLocks noGrp="1"/>
+          </p:cNvSpPr>
+          <p:nvPr>
+            <p:ph idx="1"/>
+          </p:nvPr>
+        </p:nvSpPr>
+        <p:spPr/>
+        <p:txBody>
+          <a:bodyPr/>
+          <a:lstStyle/>
+          <a:p>
+            <a:pPr marL="0" indent="0">
+              <a:buNone/>
+            </a:pPr>
+            <a:r>
+              <a:rPr lang="en-US" dirty="0"/>
+              <a:t>1. The game is smooth and responsive</a:t>
+            </a:r>
+          </a:p>
+          <a:p>
+            <a:pPr lvl="1"/>
+            <a:r>
+              <a:rPr lang="en-US" dirty="0"/>
+              <a:t>The snake does move continuously in selected direction without input delay</a:t>
+            </a:r>
+          </a:p>
+          <a:p>
+            <a:pPr lvl="1"/>
+            <a:r>
+              <a:rPr lang="en-US" dirty="0"/>
+              <a:t>Arrow keys can be used to change in real time the direction </a:t>
+            </a:r>
+          </a:p>
+          <a:p>
+            <a:pPr marL="274320" lvl="1" indent="0">
+              <a:buNone/>
+            </a:pPr>
+            <a:r>
+              <a:rPr lang="en-US" dirty="0"/>
+              <a:t>2. The game ends on collision</a:t>
+            </a:r>
+          </a:p>
+          <a:p>
+            <a:pPr lvl="1">
+              <a:buFontTx/>
+              <a:buChar char="-"/>
+            </a:pPr>
+            <a:r>
+              <a:rPr lang="en-US" dirty="0"/>
+              <a:t>When colliding with a wall or its own body the snake does indeed trigger the game end flag</a:t>
+            </a:r>
+          </a:p>
+          <a:p>
+            <a:pPr marL="274320" lvl="1" indent="0">
+              <a:buNone/>
+            </a:pPr>
+            <a:r>
+              <a:rPr lang="en-US" dirty="0"/>
+              <a:t>3. Food randomly appears</a:t>
+            </a:r>
+          </a:p>
+          <a:p>
+            <a:pPr lvl="1">
+              <a:buFontTx/>
+              <a:buChar char="-"/>
+            </a:pPr>
+            <a:r>
+              <a:rPr lang="en-US" dirty="0"/>
+              <a:t>Food does randomly appear on the map and does increase the snakes length by one segment each time</a:t>
+            </a:r>
+          </a:p>
+          <a:p>
+            <a:pPr marL="274320" lvl="1" indent="0">
+              <a:buNone/>
+            </a:pPr>
+            <a:r>
+              <a:rPr lang="en-US" dirty="0"/>
+              <a:t>4. Code is clean and well documented</a:t>
+            </a:r>
+          </a:p>
+          <a:p>
+            <a:pPr marL="274320" lvl="1" indent="0">
+              <a:buNone/>
+            </a:pPr>
+            <a:r>
+              <a:rPr lang="en-US" dirty="0"/>
+              <a:t>- Code does have consistent comments throughout and is very editable.</a:t>
+            </a:r>
+          </a:p>
+        </p:txBody>
+      </p:sp>
+    </p:spTree>
+    <p:extLst>
+      <p:ext uri="{BB962C8B-B14F-4D97-AF65-F5344CB8AC3E}">
+        <p14:creationId xmlns:p14="http://schemas.microsoft.com/office/powerpoint/2010/main" val="2860515488"/>
+      </p:ext>
+    </p:extLst>
+  </p:cSld>
+  <p:clrMapOvr>
+    <a:masterClrMapping/>
+  </p:clrMapOvr>
+</p:sld>
+</file>
+
+<file path=ppt/slides/slide5.xml><?xml version="1.0" encoding="utf-8"?>
+<p:sld xmlns:a="http://schemas.openxmlformats.org/drawingml/2006/main" xmlns:r="http://schemas.openxmlformats.org/officeDocument/2006/relationships" xmlns:p="http://schemas.openxmlformats.org/presentationml/2006/main">
+  <p:cSld>
+    <p:spTree>
+      <p:nvGrpSpPr>
+        <p:cNvPr id="1" name=""/>
+        <p:cNvGrpSpPr/>
+        <p:nvPr/>
+      </p:nvGrpSpPr>
+      <p:grpSpPr>
+        <a:xfrm>
+          <a:off x="0" y="0"/>
+          <a:ext cx="0" cy="0"/>
+          <a:chOff x="0" y="0"/>
+          <a:chExt cx="0" cy="0"/>
+        </a:xfrm>
+      </p:grpSpPr>
+      <p:sp>
+        <p:nvSpPr>
+          <p:cNvPr id="2" name="Title 1">
+            <a:extLst>
+              <a:ext uri="{FF2B5EF4-FFF2-40B4-BE49-F238E27FC236}">
+                <a16:creationId xmlns:a16="http://schemas.microsoft.com/office/drawing/2014/main" id="{F7DDDF08-9C6A-06E2-14DC-9A508F81E645}"/>
+              </a:ext>
+            </a:extLst>
+          </p:cNvPr>
+          <p:cNvSpPr>
+            <a:spLocks noGrp="1"/>
+          </p:cNvSpPr>
+          <p:nvPr>
+            <p:ph type="title"/>
+          </p:nvPr>
+        </p:nvSpPr>
+        <p:spPr/>
+        <p:txBody>
+          <a:bodyPr/>
+          <a:lstStyle/>
+          <a:p>
+            <a:r>
+              <a:rPr lang="en-US" dirty="0"/>
+              <a:t>Design</a:t>
+            </a:r>
+          </a:p>
+        </p:txBody>
+      </p:sp>
+      <p:sp>
+        <p:nvSpPr>
+          <p:cNvPr id="3" name="Content Placeholder 2">
+            <a:extLst>
+              <a:ext uri="{FF2B5EF4-FFF2-40B4-BE49-F238E27FC236}">
+                <a16:creationId xmlns:a16="http://schemas.microsoft.com/office/drawing/2014/main" id="{F72A3C40-8288-200A-9426-685E6BAB22BB}"/>
+              </a:ext>
+            </a:extLst>
+          </p:cNvPr>
+          <p:cNvSpPr>
+            <a:spLocks noGrp="1"/>
+          </p:cNvSpPr>
+          <p:nvPr>
+            <p:ph idx="1"/>
+          </p:nvPr>
+        </p:nvSpPr>
+        <p:spPr/>
+        <p:txBody>
+          <a:bodyPr/>
+          <a:lstStyle/>
+          <a:p>
+            <a:r>
+              <a:rPr lang="en-US" dirty="0"/>
+              <a:t>Five files primarily:</a:t>
+            </a:r>
+          </a:p>
+          <a:p>
+            <a:pPr lvl="1"/>
+            <a:r>
+              <a:rPr lang="en-US" dirty="0" err="1"/>
+              <a:t>GameEngine</a:t>
+            </a:r>
+            <a:r>
+              <a:rPr lang="en-US" dirty="0"/>
+              <a:t> – Main file that runs the game and all of the internal logic</a:t>
+            </a:r>
+          </a:p>
+          <a:p>
+            <a:pPr lvl="1"/>
+            <a:r>
+              <a:rPr lang="en-US" dirty="0" err="1"/>
+              <a:t>RoomGenerator</a:t>
+            </a:r>
+            <a:r>
+              <a:rPr lang="en-US" dirty="0"/>
+              <a:t> – File that generates random walls along with the locations of the apples and scales it with a difficulty modifier</a:t>
+            </a:r>
+          </a:p>
+          <a:p>
+            <a:pPr lvl="1"/>
+            <a:r>
+              <a:rPr lang="en-US" dirty="0" err="1"/>
+              <a:t>RoomGraph</a:t>
+            </a:r>
+            <a:r>
+              <a:rPr lang="en-US" dirty="0"/>
+              <a:t> – Links together the different rooms with each other so that the game is seamless</a:t>
+            </a:r>
+          </a:p>
+          <a:p>
+            <a:pPr lvl="1"/>
+            <a:r>
+              <a:rPr lang="en-US" dirty="0"/>
+              <a:t>Snake – logic of the snake body so that it detects the direction it is going in along with if its eaten an apple, or hit a wall. Al sets the spawning point of the snake</a:t>
+            </a:r>
+          </a:p>
+          <a:p>
+            <a:pPr lvl="1"/>
+            <a:r>
+              <a:rPr lang="en-US" dirty="0"/>
+              <a:t>Types – Holds variables for various aspects of the code in the files</a:t>
+            </a:r>
+          </a:p>
+        </p:txBody>
+      </p:sp>
+    </p:spTree>
+    <p:extLst>
+      <p:ext uri="{BB962C8B-B14F-4D97-AF65-F5344CB8AC3E}">
+        <p14:creationId xmlns:p14="http://schemas.microsoft.com/office/powerpoint/2010/main" val="1577616405"/>
+      </p:ext>
+    </p:extLst>
+  </p:cSld>
+  <p:clrMapOvr>
+    <a:masterClrMapping/>
+  </p:clrMapOvr>
+</p:sld>
+</file>
+
+<file path=ppt/slides/slide6.xml><?xml version="1.0" encoding="utf-8"?>
+<p:sld xmlns:a="http://schemas.openxmlformats.org/drawingml/2006/main" xmlns:r="http://schemas.openxmlformats.org/officeDocument/2006/relationships" xmlns:p="http://schemas.openxmlformats.org/presentationml/2006/main">
+  <p:cSld>
+    <p:spTree>
+      <p:nvGrpSpPr>
+        <p:cNvPr id="1" name=""/>
+        <p:cNvGrpSpPr/>
+        <p:nvPr/>
+      </p:nvGrpSpPr>
+      <p:grpSpPr>
+        <a:xfrm>
+          <a:off x="0" y="0"/>
+          <a:ext cx="0" cy="0"/>
+          <a:chOff x="0" y="0"/>
+          <a:chExt cx="0" cy="0"/>
+        </a:xfrm>
+      </p:grpSpPr>
+      <p:sp>
+        <p:nvSpPr>
+          <p:cNvPr id="2" name="Title 1">
+            <a:extLst>
+              <a:ext uri="{FF2B5EF4-FFF2-40B4-BE49-F238E27FC236}">
+                <a16:creationId xmlns:a16="http://schemas.microsoft.com/office/drawing/2014/main" id="{D3A2B8C2-C3B5-21B6-E5B1-FA0E0E1D79C6}"/>
+              </a:ext>
+            </a:extLst>
+          </p:cNvPr>
+          <p:cNvSpPr>
+            <a:spLocks noGrp="1"/>
+          </p:cNvSpPr>
+          <p:nvPr>
+            <p:ph type="title"/>
+          </p:nvPr>
+        </p:nvSpPr>
+        <p:spPr/>
+        <p:txBody>
+          <a:bodyPr/>
+          <a:lstStyle/>
+          <a:p>
+            <a:r>
+              <a:rPr lang="en-US" dirty="0"/>
+              <a:t>Documentation</a:t>
+            </a:r>
+          </a:p>
+        </p:txBody>
+      </p:sp>
+      <p:sp>
+        <p:nvSpPr>
+          <p:cNvPr id="3" name="Content Placeholder 2">
+            <a:extLst>
+              <a:ext uri="{FF2B5EF4-FFF2-40B4-BE49-F238E27FC236}">
+                <a16:creationId xmlns:a16="http://schemas.microsoft.com/office/drawing/2014/main" id="{13DF2571-07D9-BC82-C464-47A0E9B02D76}"/>
+              </a:ext>
+            </a:extLst>
+          </p:cNvPr>
+          <p:cNvSpPr>
+            <a:spLocks noGrp="1"/>
+          </p:cNvSpPr>
+          <p:nvPr>
+            <p:ph idx="1"/>
+          </p:nvPr>
+        </p:nvSpPr>
+        <p:spPr/>
+        <p:txBody>
+          <a:bodyPr/>
+          <a:lstStyle/>
+          <a:p>
+            <a:r>
+              <a:rPr lang="en-US" dirty="0"/>
+              <a:t>Documentation was done throughout the code with various comments to explain what different blocks of code did </a:t>
+            </a:r>
+          </a:p>
+          <a:p>
+            <a:r>
+              <a:rPr lang="en-US" dirty="0"/>
+              <a:t>Furthermore, we also made sure to regularly commit to the GitHub so that we stayed organized and if necessary we could go back to older versions in case the most recent iteration broke anything</a:t>
+            </a:r>
+          </a:p>
+          <a:p>
+            <a:r>
+              <a:rPr lang="en-US" dirty="0"/>
+              <a:t>Everything was well documented in the files along with group norms and other requirements</a:t>
+            </a:r>
+          </a:p>
+          <a:p>
+            <a:r>
+              <a:rPr lang="en-US" dirty="0"/>
+              <a:t>Furthermore, we organized what to </a:t>
+            </a:r>
+            <a:r>
+              <a:rPr lang="en-US"/>
+              <a:t>do in the Gantt chart.</a:t>
+            </a:r>
+          </a:p>
+        </p:txBody>
+      </p:sp>
+    </p:spTree>
+    <p:extLst>
+      <p:ext uri="{BB962C8B-B14F-4D97-AF65-F5344CB8AC3E}">
+        <p14:creationId xmlns:p14="http://schemas.microsoft.com/office/powerpoint/2010/main" val="455026902"/>
       </p:ext>
     </p:extLst>
   </p:cSld>
